--- a/Topico1_ArquiteturaDeSoftware/TP_U01_P2_IntroducaoPadroesProjeto.pptx
+++ b/Topico1_ArquiteturaDeSoftware/TP_U01_P2_IntroducaoPadroesProjeto.pptx
@@ -5,7 +5,7 @@
     <p:sldMasterId id="2147483660" r:id="rId1"/>
   </p:sldMasterIdLst>
   <p:notesMasterIdLst>
-    <p:notesMasterId r:id="rId21"/>
+    <p:notesMasterId r:id="rId18"/>
   </p:notesMasterIdLst>
   <p:sldIdLst>
     <p:sldId id="306" r:id="rId2"/>
@@ -23,10 +23,7 @@
     <p:sldId id="317" r:id="rId14"/>
     <p:sldId id="318" r:id="rId15"/>
     <p:sldId id="319" r:id="rId16"/>
-    <p:sldId id="320" r:id="rId17"/>
-    <p:sldId id="321" r:id="rId18"/>
-    <p:sldId id="322" r:id="rId19"/>
-    <p:sldId id="284" r:id="rId20"/>
+    <p:sldId id="284" r:id="rId17"/>
   </p:sldIdLst>
   <p:sldSz cx="12192000" cy="6858000"/>
   <p:notesSz cx="6858000" cy="9144000"/>
@@ -265,7 +262,7 @@
           <a:p>
             <a:fld id="{7C4A617D-83CB-4919-82AC-EDF6FBB5355F}" type="datetimeFigureOut">
               <a:rPr lang="pt-BR" smtClean="0"/>
-              <a:t>07/03/2018</a:t>
+              <a:t>09/03/2018</a:t>
             </a:fld>
             <a:endParaRPr lang="pt-BR"/>
           </a:p>
@@ -663,7 +660,7 @@
           <a:p>
             <a:fld id="{4F2C62AD-31D4-4417-853C-E77168BA2A0A}" type="datetimeFigureOut">
               <a:rPr lang="pt-BR" smtClean="0"/>
-              <a:t>07/03/2018</a:t>
+              <a:t>09/03/2018</a:t>
             </a:fld>
             <a:endParaRPr lang="pt-BR"/>
           </a:p>
@@ -833,7 +830,7 @@
           <a:p>
             <a:fld id="{4F2C62AD-31D4-4417-853C-E77168BA2A0A}" type="datetimeFigureOut">
               <a:rPr lang="pt-BR" smtClean="0"/>
-              <a:t>07/03/2018</a:t>
+              <a:t>09/03/2018</a:t>
             </a:fld>
             <a:endParaRPr lang="pt-BR"/>
           </a:p>
@@ -1013,7 +1010,7 @@
           <a:p>
             <a:fld id="{4F2C62AD-31D4-4417-853C-E77168BA2A0A}" type="datetimeFigureOut">
               <a:rPr lang="pt-BR" smtClean="0"/>
-              <a:t>07/03/2018</a:t>
+              <a:t>09/03/2018</a:t>
             </a:fld>
             <a:endParaRPr lang="pt-BR"/>
           </a:p>
@@ -1183,7 +1180,7 @@
           <a:p>
             <a:fld id="{4F2C62AD-31D4-4417-853C-E77168BA2A0A}" type="datetimeFigureOut">
               <a:rPr lang="pt-BR" smtClean="0"/>
-              <a:t>07/03/2018</a:t>
+              <a:t>09/03/2018</a:t>
             </a:fld>
             <a:endParaRPr lang="pt-BR"/>
           </a:p>
@@ -1429,7 +1426,7 @@
           <a:p>
             <a:fld id="{4F2C62AD-31D4-4417-853C-E77168BA2A0A}" type="datetimeFigureOut">
               <a:rPr lang="pt-BR" smtClean="0"/>
-              <a:t>07/03/2018</a:t>
+              <a:t>09/03/2018</a:t>
             </a:fld>
             <a:endParaRPr lang="pt-BR"/>
           </a:p>
@@ -1661,7 +1658,7 @@
           <a:p>
             <a:fld id="{4F2C62AD-31D4-4417-853C-E77168BA2A0A}" type="datetimeFigureOut">
               <a:rPr lang="pt-BR" smtClean="0"/>
-              <a:t>07/03/2018</a:t>
+              <a:t>09/03/2018</a:t>
             </a:fld>
             <a:endParaRPr lang="pt-BR"/>
           </a:p>
@@ -2028,7 +2025,7 @@
           <a:p>
             <a:fld id="{4F2C62AD-31D4-4417-853C-E77168BA2A0A}" type="datetimeFigureOut">
               <a:rPr lang="pt-BR" smtClean="0"/>
-              <a:t>07/03/2018</a:t>
+              <a:t>09/03/2018</a:t>
             </a:fld>
             <a:endParaRPr lang="pt-BR"/>
           </a:p>
@@ -2146,7 +2143,7 @@
           <a:p>
             <a:fld id="{4F2C62AD-31D4-4417-853C-E77168BA2A0A}" type="datetimeFigureOut">
               <a:rPr lang="pt-BR" smtClean="0"/>
-              <a:t>07/03/2018</a:t>
+              <a:t>09/03/2018</a:t>
             </a:fld>
             <a:endParaRPr lang="pt-BR"/>
           </a:p>
@@ -2241,7 +2238,7 @@
           <a:p>
             <a:fld id="{4F2C62AD-31D4-4417-853C-E77168BA2A0A}" type="datetimeFigureOut">
               <a:rPr lang="pt-BR" smtClean="0"/>
-              <a:t>07/03/2018</a:t>
+              <a:t>09/03/2018</a:t>
             </a:fld>
             <a:endParaRPr lang="pt-BR"/>
           </a:p>
@@ -2518,7 +2515,7 @@
           <a:p>
             <a:fld id="{4F2C62AD-31D4-4417-853C-E77168BA2A0A}" type="datetimeFigureOut">
               <a:rPr lang="pt-BR" smtClean="0"/>
-              <a:t>07/03/2018</a:t>
+              <a:t>09/03/2018</a:t>
             </a:fld>
             <a:endParaRPr lang="pt-BR"/>
           </a:p>
@@ -2775,7 +2772,7 @@
           <a:p>
             <a:fld id="{4F2C62AD-31D4-4417-853C-E77168BA2A0A}" type="datetimeFigureOut">
               <a:rPr lang="pt-BR" smtClean="0"/>
-              <a:t>07/03/2018</a:t>
+              <a:t>09/03/2018</a:t>
             </a:fld>
             <a:endParaRPr lang="pt-BR"/>
           </a:p>
@@ -2988,7 +2985,7 @@
           <a:p>
             <a:fld id="{4F2C62AD-31D4-4417-853C-E77168BA2A0A}" type="datetimeFigureOut">
               <a:rPr lang="pt-BR" smtClean="0"/>
-              <a:t>07/03/2018</a:t>
+              <a:t>09/03/2018</a:t>
             </a:fld>
             <a:endParaRPr lang="pt-BR"/>
           </a:p>
@@ -5301,510 +5298,6 @@
           <a:chExt cx="0" cy="0"/>
         </a:xfrm>
       </p:grpSpPr>
-      <p:sp>
-        <p:nvSpPr>
-          <p:cNvPr id="2" name="Title 1"/>
-          <p:cNvSpPr>
-            <a:spLocks noGrp="1"/>
-          </p:cNvSpPr>
-          <p:nvPr>
-            <p:ph type="title"/>
-          </p:nvPr>
-        </p:nvSpPr>
-        <p:spPr/>
-        <p:txBody>
-          <a:bodyPr/>
-          <a:lstStyle/>
-          <a:p>
-            <a:r>
-              <a:rPr lang="pt-BR" dirty="0"/>
-              <a:t>Padrão Fachada: definição</a:t>
-            </a:r>
-          </a:p>
-        </p:txBody>
-      </p:sp>
-      <p:sp>
-        <p:nvSpPr>
-          <p:cNvPr id="3" name="Content Placeholder 2"/>
-          <p:cNvSpPr>
-            <a:spLocks noGrp="1"/>
-          </p:cNvSpPr>
-          <p:nvPr>
-            <p:ph idx="1"/>
-          </p:nvPr>
-        </p:nvSpPr>
-        <p:spPr/>
-        <p:txBody>
-          <a:bodyPr/>
-          <a:lstStyle/>
-          <a:p>
-            <a:r>
-              <a:rPr lang="en-US" dirty="0" err="1"/>
-              <a:t>Fornece</a:t>
-            </a:r>
-            <a:r>
-              <a:rPr lang="en-US" dirty="0"/>
-              <a:t> </a:t>
-            </a:r>
-            <a:r>
-              <a:rPr lang="en-US" dirty="0" err="1"/>
-              <a:t>uma</a:t>
-            </a:r>
-            <a:r>
-              <a:rPr lang="en-US" dirty="0"/>
-              <a:t> interface </a:t>
-            </a:r>
-            <a:r>
-              <a:rPr lang="en-US" dirty="0" err="1"/>
-              <a:t>única</a:t>
-            </a:r>
-            <a:r>
-              <a:rPr lang="en-US" dirty="0"/>
-              <a:t> </a:t>
-            </a:r>
-            <a:r>
-              <a:rPr lang="en-US" dirty="0" err="1"/>
-              <a:t>para</a:t>
-            </a:r>
-            <a:r>
-              <a:rPr lang="en-US" dirty="0"/>
-              <a:t> um </a:t>
-            </a:r>
-            <a:r>
-              <a:rPr lang="en-US" dirty="0" err="1"/>
-              <a:t>conjunto</a:t>
-            </a:r>
-            <a:r>
-              <a:rPr lang="en-US" dirty="0"/>
-              <a:t> de interfaces de um </a:t>
-            </a:r>
-            <a:r>
-              <a:rPr lang="en-US" dirty="0" err="1"/>
-              <a:t>subsistema</a:t>
-            </a:r>
-            <a:r>
-              <a:rPr lang="en-US" dirty="0"/>
-              <a:t>. A </a:t>
-            </a:r>
-            <a:r>
-              <a:rPr lang="en-US" dirty="0" err="1"/>
-              <a:t>fachada</a:t>
-            </a:r>
-            <a:r>
-              <a:rPr lang="en-US" dirty="0"/>
-              <a:t> (facade) define </a:t>
-            </a:r>
-            <a:r>
-              <a:rPr lang="en-US" dirty="0" err="1"/>
-              <a:t>uma</a:t>
-            </a:r>
-            <a:r>
-              <a:rPr lang="en-US" dirty="0"/>
-              <a:t> interface de </a:t>
-            </a:r>
-            <a:r>
-              <a:rPr lang="en-US" dirty="0" err="1"/>
-              <a:t>mais</a:t>
-            </a:r>
-            <a:r>
-              <a:rPr lang="en-US" dirty="0"/>
-              <a:t> alto </a:t>
-            </a:r>
-            <a:r>
-              <a:rPr lang="en-US" dirty="0" err="1"/>
-              <a:t>nível</a:t>
-            </a:r>
-            <a:r>
-              <a:rPr lang="en-US" dirty="0"/>
-              <a:t> que </a:t>
-            </a:r>
-            <a:r>
-              <a:rPr lang="en-US" dirty="0" err="1"/>
-              <a:t>torna</a:t>
-            </a:r>
-            <a:r>
-              <a:rPr lang="en-US" dirty="0"/>
-              <a:t> o </a:t>
-            </a:r>
-            <a:r>
-              <a:rPr lang="en-US" dirty="0" err="1"/>
-              <a:t>subsistema</a:t>
-            </a:r>
-            <a:r>
-              <a:rPr lang="en-US" dirty="0"/>
-              <a:t> </a:t>
-            </a:r>
-            <a:r>
-              <a:rPr lang="en-US" dirty="0" err="1"/>
-              <a:t>mais</a:t>
-            </a:r>
-            <a:r>
-              <a:rPr lang="en-US" dirty="0"/>
-              <a:t> </a:t>
-            </a:r>
-            <a:r>
-              <a:rPr lang="en-US" dirty="0" err="1"/>
-              <a:t>fácil</a:t>
-            </a:r>
-            <a:r>
-              <a:rPr lang="en-US" dirty="0"/>
-              <a:t> de </a:t>
-            </a:r>
-            <a:r>
-              <a:rPr lang="en-US" dirty="0" err="1"/>
-              <a:t>usar</a:t>
-            </a:r>
-            <a:r>
-              <a:rPr lang="en-US" dirty="0"/>
-              <a:t>.</a:t>
-            </a:r>
-            <a:endParaRPr lang="pt-BR" dirty="0"/>
-          </a:p>
-        </p:txBody>
-      </p:sp>
-      <p:pic>
-        <p:nvPicPr>
-          <p:cNvPr id="58370" name="Picture 2"/>
-          <p:cNvPicPr>
-            <a:picLocks noChangeAspect="1" noChangeArrowheads="1"/>
-          </p:cNvPicPr>
-          <p:nvPr/>
-        </p:nvPicPr>
-        <p:blipFill>
-          <a:blip r:embed="rId2" cstate="print"/>
-          <a:srcRect/>
-          <a:stretch>
-            <a:fillRect/>
-          </a:stretch>
-        </p:blipFill>
-        <p:spPr bwMode="auto">
-          <a:xfrm>
-            <a:off x="7596199" y="5000636"/>
-            <a:ext cx="2695575" cy="400050"/>
-          </a:xfrm>
-          <a:prstGeom prst="rect">
-            <a:avLst/>
-          </a:prstGeom>
-          <a:noFill/>
-          <a:ln w="9525" cap="flat" cmpd="sng" algn="ctr">
-            <a:noFill/>
-            <a:prstDash val="solid"/>
-            <a:miter lim="800000"/>
-            <a:headEnd type="none" w="med" len="med"/>
-            <a:tailEnd type="none" w="med" len="med"/>
-          </a:ln>
-        </p:spPr>
-      </p:pic>
-      <p:sp>
-        <p:nvSpPr>
-          <p:cNvPr id="6" name="Espaço Reservado para Número de Slide 5"/>
-          <p:cNvSpPr>
-            <a:spLocks noGrp="1"/>
-          </p:cNvSpPr>
-          <p:nvPr>
-            <p:ph type="sldNum" sz="quarter" idx="12"/>
-          </p:nvPr>
-        </p:nvSpPr>
-        <p:spPr/>
-        <p:txBody>
-          <a:bodyPr/>
-          <a:lstStyle/>
-          <a:p>
-            <a:fld id="{4DC11654-5927-41F9-BFAC-4FC319222E79}" type="slidenum">
-              <a:rPr lang="en-US" smtClean="0"/>
-              <a:pPr/>
-              <a:t>16</a:t>
-            </a:fld>
-            <a:endParaRPr lang="en-US"/>
-          </a:p>
-        </p:txBody>
-      </p:sp>
-    </p:spTree>
-    <p:extLst>
-      <p:ext uri="{BB962C8B-B14F-4D97-AF65-F5344CB8AC3E}">
-        <p14:creationId xmlns:p14="http://schemas.microsoft.com/office/powerpoint/2010/main" val="3635162183"/>
-      </p:ext>
-    </p:extLst>
-  </p:cSld>
-  <p:clrMapOvr>
-    <a:masterClrMapping/>
-  </p:clrMapOvr>
-</p:sld>
-</file>
-
-<file path=ppt/slides/slide17.xml><?xml version="1.0" encoding="utf-8"?>
-<p:sld xmlns:a="http://schemas.openxmlformats.org/drawingml/2006/main" xmlns:r="http://schemas.openxmlformats.org/officeDocument/2006/relationships" xmlns:p="http://schemas.openxmlformats.org/presentationml/2006/main">
-  <p:cSld>
-    <p:spTree>
-      <p:nvGrpSpPr>
-        <p:cNvPr id="1" name=""/>
-        <p:cNvGrpSpPr/>
-        <p:nvPr/>
-      </p:nvGrpSpPr>
-      <p:grpSpPr>
-        <a:xfrm>
-          <a:off x="0" y="0"/>
-          <a:ext cx="0" cy="0"/>
-          <a:chOff x="0" y="0"/>
-          <a:chExt cx="0" cy="0"/>
-        </a:xfrm>
-      </p:grpSpPr>
-      <p:sp>
-        <p:nvSpPr>
-          <p:cNvPr id="29698" name="Rectangle 2"/>
-          <p:cNvSpPr>
-            <a:spLocks noGrp="1" noChangeArrowheads="1"/>
-          </p:cNvSpPr>
-          <p:nvPr>
-            <p:ph type="title"/>
-          </p:nvPr>
-        </p:nvSpPr>
-        <p:spPr/>
-        <p:txBody>
-          <a:bodyPr/>
-          <a:lstStyle/>
-          <a:p>
-            <a:r>
-              <a:rPr lang="pt-BR" dirty="0"/>
-              <a:t>Padrão Fachada: Definição</a:t>
-            </a:r>
-          </a:p>
-        </p:txBody>
-      </p:sp>
-      <p:sp>
-        <p:nvSpPr>
-          <p:cNvPr id="29699" name="Rectangle 3"/>
-          <p:cNvSpPr>
-            <a:spLocks noGrp="1" noChangeArrowheads="1"/>
-          </p:cNvSpPr>
-          <p:nvPr>
-            <p:ph idx="1"/>
-          </p:nvPr>
-        </p:nvSpPr>
-        <p:spPr/>
-        <p:txBody>
-          <a:bodyPr>
-            <a:normAutofit fontScale="92500" lnSpcReduction="20000"/>
-          </a:bodyPr>
-          <a:lstStyle/>
-          <a:p>
-            <a:r>
-              <a:rPr lang="pt-BR" dirty="0"/>
-              <a:t>Classificação: estrutural de objeto</a:t>
-            </a:r>
-          </a:p>
-          <a:p>
-            <a:r>
-              <a:rPr lang="pt-BR" dirty="0"/>
-              <a:t>Contexto:</a:t>
-            </a:r>
-          </a:p>
-          <a:p>
-            <a:pPr lvl="1"/>
-            <a:r>
-              <a:rPr lang="pt-BR" dirty="0"/>
-              <a:t>Um sistema é composto por uma série de subsistemas que provém um conjunto de serviços relacionados.</a:t>
-            </a:r>
-          </a:p>
-          <a:p>
-            <a:pPr lvl="1"/>
-            <a:r>
-              <a:rPr lang="pt-BR" dirty="0"/>
-              <a:t>A medida que o sistema evolui e o número de subsistemas cresce, torna-se mais complexo o acesso ao conjunto de serviços.</a:t>
-            </a:r>
-          </a:p>
-          <a:p>
-            <a:pPr lvl="1"/>
-            <a:r>
-              <a:rPr lang="pt-BR" dirty="0"/>
-              <a:t>A maioria dos clientes não necessita ter acesso aos métodos mais específicos de cada um dos subsistemas.</a:t>
-            </a:r>
-          </a:p>
-          <a:p>
-            <a:r>
-              <a:rPr lang="pt-BR" dirty="0"/>
-              <a:t>Solução:</a:t>
-            </a:r>
-          </a:p>
-          <a:p>
-            <a:pPr lvl="1"/>
-            <a:r>
-              <a:rPr lang="pt-BR" dirty="0"/>
-              <a:t>Implementar uma classe que implementa uma fachada (facade), abstraindo os detalhes de implementação dos serviços mais solicitados para o conjunto de subsistemas.</a:t>
-            </a:r>
-          </a:p>
-          <a:p>
-            <a:pPr lvl="1"/>
-            <a:r>
-              <a:rPr lang="pt-BR" dirty="0"/>
-              <a:t>Esta classe serve de fachada. Abstrai a complexidade do uso direto dos subsistemas deixando-os disponíveis para serem acessados diretamente quando necessário.</a:t>
-            </a:r>
-          </a:p>
-        </p:txBody>
-      </p:sp>
-      <p:sp>
-        <p:nvSpPr>
-          <p:cNvPr id="5" name="Espaço Reservado para Número de Slide 4"/>
-          <p:cNvSpPr>
-            <a:spLocks noGrp="1"/>
-          </p:cNvSpPr>
-          <p:nvPr>
-            <p:ph type="sldNum" sz="quarter" idx="12"/>
-          </p:nvPr>
-        </p:nvSpPr>
-        <p:spPr/>
-        <p:txBody>
-          <a:bodyPr/>
-          <a:lstStyle/>
-          <a:p>
-            <a:fld id="{4DC11654-5927-41F9-BFAC-4FC319222E79}" type="slidenum">
-              <a:rPr lang="en-US" smtClean="0"/>
-              <a:pPr/>
-              <a:t>17</a:t>
-            </a:fld>
-            <a:endParaRPr lang="en-US"/>
-          </a:p>
-        </p:txBody>
-      </p:sp>
-    </p:spTree>
-    <p:extLst>
-      <p:ext uri="{BB962C8B-B14F-4D97-AF65-F5344CB8AC3E}">
-        <p14:creationId xmlns:p14="http://schemas.microsoft.com/office/powerpoint/2010/main" val="3870376548"/>
-      </p:ext>
-    </p:extLst>
-  </p:cSld>
-  <p:clrMapOvr>
-    <a:masterClrMapping/>
-  </p:clrMapOvr>
-</p:sld>
-</file>
-
-<file path=ppt/slides/slide18.xml><?xml version="1.0" encoding="utf-8"?>
-<p:sld xmlns:a="http://schemas.openxmlformats.org/drawingml/2006/main" xmlns:r="http://schemas.openxmlformats.org/officeDocument/2006/relationships" xmlns:p="http://schemas.openxmlformats.org/presentationml/2006/main">
-  <p:cSld>
-    <p:spTree>
-      <p:nvGrpSpPr>
-        <p:cNvPr id="1" name=""/>
-        <p:cNvGrpSpPr/>
-        <p:nvPr/>
-      </p:nvGrpSpPr>
-      <p:grpSpPr>
-        <a:xfrm>
-          <a:off x="0" y="0"/>
-          <a:ext cx="0" cy="0"/>
-          <a:chOff x="0" y="0"/>
-          <a:chExt cx="0" cy="0"/>
-        </a:xfrm>
-      </p:grpSpPr>
-      <p:sp>
-        <p:nvSpPr>
-          <p:cNvPr id="30722" name="Rectangle 2"/>
-          <p:cNvSpPr>
-            <a:spLocks noGrp="1" noChangeArrowheads="1"/>
-          </p:cNvSpPr>
-          <p:nvPr>
-            <p:ph type="title"/>
-          </p:nvPr>
-        </p:nvSpPr>
-        <p:spPr/>
-        <p:txBody>
-          <a:bodyPr/>
-          <a:lstStyle/>
-          <a:p>
-            <a:r>
-              <a:rPr lang="pt-BR" dirty="0"/>
-              <a:t>Padrão Fachada: Diagrama</a:t>
-            </a:r>
-          </a:p>
-        </p:txBody>
-      </p:sp>
-      <p:pic>
-        <p:nvPicPr>
-          <p:cNvPr id="30724" name="Picture 4"/>
-          <p:cNvPicPr>
-            <a:picLocks noChangeAspect="1" noChangeArrowheads="1"/>
-          </p:cNvPicPr>
-          <p:nvPr/>
-        </p:nvPicPr>
-        <p:blipFill>
-          <a:blip r:embed="rId2" cstate="print"/>
-          <a:srcRect/>
-          <a:stretch>
-            <a:fillRect/>
-          </a:stretch>
-        </p:blipFill>
-        <p:spPr bwMode="auto">
-          <a:xfrm>
-            <a:off x="3733801" y="2152634"/>
-            <a:ext cx="4930655" cy="3790966"/>
-          </a:xfrm>
-          <a:prstGeom prst="rect">
-            <a:avLst/>
-          </a:prstGeom>
-          <a:noFill/>
-          <a:ln w="9525" cap="flat" cmpd="sng" algn="ctr">
-            <a:noFill/>
-            <a:prstDash val="solid"/>
-            <a:miter lim="800000"/>
-            <a:headEnd type="none" w="med" len="med"/>
-            <a:tailEnd type="none" w="med" len="med"/>
-          </a:ln>
-        </p:spPr>
-      </p:pic>
-      <p:sp>
-        <p:nvSpPr>
-          <p:cNvPr id="5" name="Espaço Reservado para Número de Slide 4"/>
-          <p:cNvSpPr>
-            <a:spLocks noGrp="1"/>
-          </p:cNvSpPr>
-          <p:nvPr>
-            <p:ph type="sldNum" sz="quarter" idx="12"/>
-          </p:nvPr>
-        </p:nvSpPr>
-        <p:spPr/>
-        <p:txBody>
-          <a:bodyPr/>
-          <a:lstStyle/>
-          <a:p>
-            <a:fld id="{4DC11654-5927-41F9-BFAC-4FC319222E79}" type="slidenum">
-              <a:rPr lang="en-US" smtClean="0"/>
-              <a:pPr/>
-              <a:t>18</a:t>
-            </a:fld>
-            <a:endParaRPr lang="en-US"/>
-          </a:p>
-        </p:txBody>
-      </p:sp>
-    </p:spTree>
-    <p:extLst>
-      <p:ext uri="{BB962C8B-B14F-4D97-AF65-F5344CB8AC3E}">
-        <p14:creationId xmlns:p14="http://schemas.microsoft.com/office/powerpoint/2010/main" val="1452527299"/>
-      </p:ext>
-    </p:extLst>
-  </p:cSld>
-  <p:clrMapOvr>
-    <a:masterClrMapping/>
-  </p:clrMapOvr>
-</p:sld>
-</file>
-
-<file path=ppt/slides/slide19.xml><?xml version="1.0" encoding="utf-8"?>
-<p:sld xmlns:a="http://schemas.openxmlformats.org/drawingml/2006/main" xmlns:r="http://schemas.openxmlformats.org/officeDocument/2006/relationships" xmlns:p="http://schemas.openxmlformats.org/presentationml/2006/main">
-  <p:cSld>
-    <p:spTree>
-      <p:nvGrpSpPr>
-        <p:cNvPr id="1" name=""/>
-        <p:cNvGrpSpPr/>
-        <p:nvPr/>
-      </p:nvGrpSpPr>
-      <p:grpSpPr>
-        <a:xfrm>
-          <a:off x="0" y="0"/>
-          <a:ext cx="0" cy="0"/>
-          <a:chOff x="0" y="0"/>
-          <a:chExt cx="0" cy="0"/>
-        </a:xfrm>
-      </p:grpSpPr>
       <p:cxnSp>
         <p:nvCxnSpPr>
           <p:cNvPr id="3" name="Conector reto 2">
@@ -7049,7 +6542,7 @@
           <a:p>
             <a:r>
               <a:rPr lang="pt-BR" dirty="0"/>
-              <a:t>Padrões iniciais</a:t>
+              <a:t>Primeiro padrão</a:t>
             </a:r>
           </a:p>
         </p:txBody>
@@ -7085,21 +6578,13 @@
             <a:endParaRPr lang="pt-BR" dirty="0"/>
           </a:p>
           <a:p>
-            <a:r>
-              <a:rPr lang="pt-BR" dirty="0" err="1"/>
-              <a:t>Iterator</a:t>
-            </a:r>
             <a:endParaRPr lang="pt-BR" dirty="0"/>
           </a:p>
           <a:p>
             <a:r>
-              <a:rPr lang="pt-BR" dirty="0" err="1"/>
-              <a:t>Facade</a:t>
-            </a:r>
-            <a:endParaRPr lang="pt-BR" dirty="0"/>
-          </a:p>
-          <a:p>
-            <a:endParaRPr lang="pt-BR" dirty="0"/>
+              <a:rPr lang="pt-BR" dirty="0"/>
+              <a:t>Entender o padrão e analisar o impacto do mesmo no projeto do sistema do “Banco Nossa Grana”</a:t>
+            </a:r>
           </a:p>
           <a:p>
             <a:pPr marL="0" indent="0">

--- a/Topico1_ArquiteturaDeSoftware/TP_U01_P2_IntroducaoPadroesProjeto.pptx
+++ b/Topico1_ArquiteturaDeSoftware/TP_U01_P2_IntroducaoPadroesProjeto.pptx
@@ -262,7 +262,7 @@
           <a:p>
             <a:fld id="{7C4A617D-83CB-4919-82AC-EDF6FBB5355F}" type="datetimeFigureOut">
               <a:rPr lang="pt-BR" smtClean="0"/>
-              <a:t>09/03/2018</a:t>
+              <a:t>12/03/2018</a:t>
             </a:fld>
             <a:endParaRPr lang="pt-BR"/>
           </a:p>
@@ -660,7 +660,7 @@
           <a:p>
             <a:fld id="{4F2C62AD-31D4-4417-853C-E77168BA2A0A}" type="datetimeFigureOut">
               <a:rPr lang="pt-BR" smtClean="0"/>
-              <a:t>09/03/2018</a:t>
+              <a:t>12/03/2018</a:t>
             </a:fld>
             <a:endParaRPr lang="pt-BR"/>
           </a:p>
@@ -830,7 +830,7 @@
           <a:p>
             <a:fld id="{4F2C62AD-31D4-4417-853C-E77168BA2A0A}" type="datetimeFigureOut">
               <a:rPr lang="pt-BR" smtClean="0"/>
-              <a:t>09/03/2018</a:t>
+              <a:t>12/03/2018</a:t>
             </a:fld>
             <a:endParaRPr lang="pt-BR"/>
           </a:p>
@@ -1010,7 +1010,7 @@
           <a:p>
             <a:fld id="{4F2C62AD-31D4-4417-853C-E77168BA2A0A}" type="datetimeFigureOut">
               <a:rPr lang="pt-BR" smtClean="0"/>
-              <a:t>09/03/2018</a:t>
+              <a:t>12/03/2018</a:t>
             </a:fld>
             <a:endParaRPr lang="pt-BR"/>
           </a:p>
@@ -1180,7 +1180,7 @@
           <a:p>
             <a:fld id="{4F2C62AD-31D4-4417-853C-E77168BA2A0A}" type="datetimeFigureOut">
               <a:rPr lang="pt-BR" smtClean="0"/>
-              <a:t>09/03/2018</a:t>
+              <a:t>12/03/2018</a:t>
             </a:fld>
             <a:endParaRPr lang="pt-BR"/>
           </a:p>
@@ -1426,7 +1426,7 @@
           <a:p>
             <a:fld id="{4F2C62AD-31D4-4417-853C-E77168BA2A0A}" type="datetimeFigureOut">
               <a:rPr lang="pt-BR" smtClean="0"/>
-              <a:t>09/03/2018</a:t>
+              <a:t>12/03/2018</a:t>
             </a:fld>
             <a:endParaRPr lang="pt-BR"/>
           </a:p>
@@ -1658,7 +1658,7 @@
           <a:p>
             <a:fld id="{4F2C62AD-31D4-4417-853C-E77168BA2A0A}" type="datetimeFigureOut">
               <a:rPr lang="pt-BR" smtClean="0"/>
-              <a:t>09/03/2018</a:t>
+              <a:t>12/03/2018</a:t>
             </a:fld>
             <a:endParaRPr lang="pt-BR"/>
           </a:p>
@@ -2025,7 +2025,7 @@
           <a:p>
             <a:fld id="{4F2C62AD-31D4-4417-853C-E77168BA2A0A}" type="datetimeFigureOut">
               <a:rPr lang="pt-BR" smtClean="0"/>
-              <a:t>09/03/2018</a:t>
+              <a:t>12/03/2018</a:t>
             </a:fld>
             <a:endParaRPr lang="pt-BR"/>
           </a:p>
@@ -2143,7 +2143,7 @@
           <a:p>
             <a:fld id="{4F2C62AD-31D4-4417-853C-E77168BA2A0A}" type="datetimeFigureOut">
               <a:rPr lang="pt-BR" smtClean="0"/>
-              <a:t>09/03/2018</a:t>
+              <a:t>12/03/2018</a:t>
             </a:fld>
             <a:endParaRPr lang="pt-BR"/>
           </a:p>
@@ -2238,7 +2238,7 @@
           <a:p>
             <a:fld id="{4F2C62AD-31D4-4417-853C-E77168BA2A0A}" type="datetimeFigureOut">
               <a:rPr lang="pt-BR" smtClean="0"/>
-              <a:t>09/03/2018</a:t>
+              <a:t>12/03/2018</a:t>
             </a:fld>
             <a:endParaRPr lang="pt-BR"/>
           </a:p>
@@ -2515,7 +2515,7 @@
           <a:p>
             <a:fld id="{4F2C62AD-31D4-4417-853C-E77168BA2A0A}" type="datetimeFigureOut">
               <a:rPr lang="pt-BR" smtClean="0"/>
-              <a:t>09/03/2018</a:t>
+              <a:t>12/03/2018</a:t>
             </a:fld>
             <a:endParaRPr lang="pt-BR"/>
           </a:p>
@@ -2772,7 +2772,7 @@
           <a:p>
             <a:fld id="{4F2C62AD-31D4-4417-853C-E77168BA2A0A}" type="datetimeFigureOut">
               <a:rPr lang="pt-BR" smtClean="0"/>
-              <a:t>09/03/2018</a:t>
+              <a:t>12/03/2018</a:t>
             </a:fld>
             <a:endParaRPr lang="pt-BR"/>
           </a:p>
@@ -2985,7 +2985,7 @@
           <a:p>
             <a:fld id="{4F2C62AD-31D4-4417-853C-E77168BA2A0A}" type="datetimeFigureOut">
               <a:rPr lang="pt-BR" smtClean="0"/>
-              <a:t>09/03/2018</a:t>
+              <a:t>12/03/2018</a:t>
             </a:fld>
             <a:endParaRPr lang="pt-BR"/>
           </a:p>
@@ -4114,7 +4114,43 @@
                 </a:solidFill>
                 <a:latin typeface="Courier New" pitchFamily="49" charset="0"/>
               </a:rPr>
-              <a:t>static Spooler instance;</a:t>
+              <a:t>static Spooler </a:t>
+            </a:r>
+            <a:r>
+              <a:rPr lang="pt-BR" sz="2000" b="1" dirty="0" err="1">
+                <a:solidFill>
+                  <a:srgbClr val="FF0000"/>
+                </a:solidFill>
+                <a:latin typeface="Courier New" pitchFamily="49" charset="0"/>
+              </a:rPr>
+              <a:t>instance</a:t>
+            </a:r>
+            <a:r>
+              <a:rPr lang="pt-BR" sz="2000" b="1" dirty="0">
+                <a:solidFill>
+                  <a:srgbClr val="FF0000"/>
+                </a:solidFill>
+                <a:latin typeface="Courier New" pitchFamily="49" charset="0"/>
+              </a:rPr>
+              <a:t> = </a:t>
+            </a:r>
+            <a:r>
+              <a:rPr lang="pt-BR" sz="2000" b="1" dirty="0" err="1">
+                <a:solidFill>
+                  <a:srgbClr val="FF0000"/>
+                </a:solidFill>
+                <a:latin typeface="Courier New" pitchFamily="49" charset="0"/>
+              </a:rPr>
+              <a:t>null</a:t>
+            </a:r>
+            <a:r>
+              <a:rPr lang="pt-BR" sz="2000" b="1" dirty="0">
+                <a:solidFill>
+                  <a:srgbClr val="FF0000"/>
+                </a:solidFill>
+                <a:latin typeface="Courier New" pitchFamily="49" charset="0"/>
+              </a:rPr>
+              <a:t>;</a:t>
             </a:r>
           </a:p>
           <a:p>
